--- a/Capstone-Final.pptx
+++ b/Capstone-Final.pptx
@@ -4267,9 +4267,10 @@
           </a:p>
           <a:p>
             <a:r>
-              <a:rPr lang="en-US" dirty="0"/>
-              <a:t>28-08-2021</a:t>
-            </a:r>
+              <a:rPr lang="en-US"/>
+              <a:t>01-09-2021</a:t>
+            </a:r>
+            <a:endParaRPr lang="en-US" dirty="0"/>
           </a:p>
         </p:txBody>
       </p:sp>
@@ -7939,7 +7940,12 @@
             <p:ph idx="1"/>
           </p:nvPr>
         </p:nvSpPr>
-        <p:spPr/>
+        <p:spPr>
+          <a:xfrm>
+            <a:off x="838200" y="1690688"/>
+            <a:ext cx="10515600" cy="2490787"/>
+          </a:xfrm>
+        </p:spPr>
         <p:txBody>
           <a:bodyPr>
             <a:normAutofit/>
@@ -7952,19 +7958,10 @@
             </a:r>
           </a:p>
           <a:p>
-            <a:endParaRPr lang="en-US" dirty="0"/>
-          </a:p>
-          <a:p>
-            <a:endParaRPr lang="en-US" dirty="0"/>
-          </a:p>
-          <a:p>
             <a:r>
               <a:rPr lang="en-US" dirty="0"/>
               <a:t>Explain why you added those plots and interactions</a:t>
             </a:r>
-          </a:p>
-          <a:p>
-            <a:endParaRPr lang="en-US" dirty="0"/>
           </a:p>
           <a:p>
             <a:r>
@@ -8003,6 +8000,231 @@
               <a:t>15</a:t>
             </a:fld>
             <a:endParaRPr lang="en-US"/>
+          </a:p>
+        </p:txBody>
+      </p:sp>
+      <p:sp>
+        <p:nvSpPr>
+          <p:cNvPr id="6" name="Content Placeholder 4">
+            <a:extLst>
+              <a:ext uri="{FF2B5EF4-FFF2-40B4-BE49-F238E27FC236}">
+                <a16:creationId xmlns:a16="http://schemas.microsoft.com/office/drawing/2014/main" id="{476EBA85-CDC4-4468-AE2E-86866B05ACEF}"/>
+              </a:ext>
+            </a:extLst>
+          </p:cNvPr>
+          <p:cNvSpPr txBox="1">
+            <a:spLocks/>
+          </p:cNvSpPr>
+          <p:nvPr/>
+        </p:nvSpPr>
+        <p:spPr>
+          <a:xfrm>
+            <a:off x="1057834" y="4160577"/>
+            <a:ext cx="10295966" cy="611138"/>
+          </a:xfrm>
+          <a:prstGeom prst="rect">
+            <a:avLst/>
+          </a:prstGeom>
+        </p:spPr>
+        <p:txBody>
+          <a:bodyPr vert="horz" lIns="91440" tIns="45720" rIns="91440" bIns="45720" rtlCol="0">
+            <a:normAutofit fontScale="85000" lnSpcReduction="20000"/>
+          </a:bodyPr>
+          <a:lstStyle>
+            <a:lvl1pPr marL="228600" indent="-228600" algn="l" defTabSz="914400" rtl="0" eaLnBrk="1" latinLnBrk="0" hangingPunct="1">
+              <a:lnSpc>
+                <a:spcPct val="90000"/>
+              </a:lnSpc>
+              <a:spcBef>
+                <a:spcPts val="1000"/>
+              </a:spcBef>
+              <a:buFont typeface="Arial"/>
+              <a:buChar char="•"/>
+              <a:defRPr sz="2800" kern="1200">
+                <a:solidFill>
+                  <a:srgbClr val="0070C0"/>
+                </a:solidFill>
+                <a:latin typeface="IBM Plex Mono Text" panose="020B0509050203000203" pitchFamily="49" charset="0"/>
+                <a:ea typeface="+mn-ea"/>
+                <a:cs typeface="+mn-cs"/>
+              </a:defRPr>
+            </a:lvl1pPr>
+            <a:lvl2pPr marL="685800" indent="-228600" algn="l" defTabSz="914400" rtl="0" eaLnBrk="1" latinLnBrk="0" hangingPunct="1">
+              <a:lnSpc>
+                <a:spcPct val="90000"/>
+              </a:lnSpc>
+              <a:spcBef>
+                <a:spcPts val="500"/>
+              </a:spcBef>
+              <a:buFont typeface="Arial"/>
+              <a:buChar char="•"/>
+              <a:defRPr sz="2400" kern="1200">
+                <a:solidFill>
+                  <a:srgbClr val="0070C0"/>
+                </a:solidFill>
+                <a:latin typeface="IBM Plex Mono Text" panose="020B0509050203000203" pitchFamily="49" charset="0"/>
+                <a:ea typeface="+mn-ea"/>
+                <a:cs typeface="+mn-cs"/>
+              </a:defRPr>
+            </a:lvl2pPr>
+            <a:lvl3pPr marL="1143000" indent="-228600" algn="l" defTabSz="914400" rtl="0" eaLnBrk="1" latinLnBrk="0" hangingPunct="1">
+              <a:lnSpc>
+                <a:spcPct val="90000"/>
+              </a:lnSpc>
+              <a:spcBef>
+                <a:spcPts val="500"/>
+              </a:spcBef>
+              <a:buFont typeface="Arial"/>
+              <a:buChar char="•"/>
+              <a:defRPr sz="2000" kern="1200">
+                <a:solidFill>
+                  <a:srgbClr val="0070C0"/>
+                </a:solidFill>
+                <a:latin typeface="IBM Plex Mono Text" panose="020B0509050203000203" pitchFamily="49" charset="0"/>
+                <a:ea typeface="+mn-ea"/>
+                <a:cs typeface="+mn-cs"/>
+              </a:defRPr>
+            </a:lvl3pPr>
+            <a:lvl4pPr marL="1600200" indent="-228600" algn="l" defTabSz="914400" rtl="0" eaLnBrk="1" latinLnBrk="0" hangingPunct="1">
+              <a:lnSpc>
+                <a:spcPct val="90000"/>
+              </a:lnSpc>
+              <a:spcBef>
+                <a:spcPts val="500"/>
+              </a:spcBef>
+              <a:buFont typeface="Arial"/>
+              <a:buChar char="•"/>
+              <a:defRPr sz="1800" kern="1200">
+                <a:solidFill>
+                  <a:srgbClr val="0070C0"/>
+                </a:solidFill>
+                <a:latin typeface="IBM Plex Mono Text" panose="020B0509050203000203" pitchFamily="49" charset="0"/>
+                <a:ea typeface="+mn-ea"/>
+                <a:cs typeface="+mn-cs"/>
+              </a:defRPr>
+            </a:lvl4pPr>
+            <a:lvl5pPr marL="2057400" indent="-228600" algn="l" defTabSz="914400" rtl="0" eaLnBrk="1" latinLnBrk="0" hangingPunct="1">
+              <a:lnSpc>
+                <a:spcPct val="90000"/>
+              </a:lnSpc>
+              <a:spcBef>
+                <a:spcPts val="500"/>
+              </a:spcBef>
+              <a:buFont typeface="Arial"/>
+              <a:buChar char="•"/>
+              <a:defRPr sz="1800" kern="1200">
+                <a:solidFill>
+                  <a:srgbClr val="0070C0"/>
+                </a:solidFill>
+                <a:latin typeface="IBM Plex Mono Text" panose="020B0509050203000203" pitchFamily="49" charset="0"/>
+                <a:ea typeface="+mn-ea"/>
+                <a:cs typeface="+mn-cs"/>
+              </a:defRPr>
+            </a:lvl5pPr>
+            <a:lvl6pPr marL="2514600" indent="-228600" algn="l" defTabSz="914400" rtl="0" eaLnBrk="1" latinLnBrk="0" hangingPunct="1">
+              <a:lnSpc>
+                <a:spcPct val="90000"/>
+              </a:lnSpc>
+              <a:spcBef>
+                <a:spcPts val="500"/>
+              </a:spcBef>
+              <a:buFont typeface="Arial"/>
+              <a:buChar char="•"/>
+              <a:defRPr sz="1800" kern="1200">
+                <a:solidFill>
+                  <a:schemeClr val="tx1"/>
+                </a:solidFill>
+                <a:latin typeface="+mn-lt"/>
+                <a:ea typeface="+mn-ea"/>
+                <a:cs typeface="+mn-cs"/>
+              </a:defRPr>
+            </a:lvl6pPr>
+            <a:lvl7pPr marL="2971800" indent="-228600" algn="l" defTabSz="914400" rtl="0" eaLnBrk="1" latinLnBrk="0" hangingPunct="1">
+              <a:lnSpc>
+                <a:spcPct val="90000"/>
+              </a:lnSpc>
+              <a:spcBef>
+                <a:spcPts val="500"/>
+              </a:spcBef>
+              <a:buFont typeface="Arial"/>
+              <a:buChar char="•"/>
+              <a:defRPr sz="1800" kern="1200">
+                <a:solidFill>
+                  <a:schemeClr val="tx1"/>
+                </a:solidFill>
+                <a:latin typeface="+mn-lt"/>
+                <a:ea typeface="+mn-ea"/>
+                <a:cs typeface="+mn-cs"/>
+              </a:defRPr>
+            </a:lvl7pPr>
+            <a:lvl8pPr marL="3429000" indent="-228600" algn="l" defTabSz="914400" rtl="0" eaLnBrk="1" latinLnBrk="0" hangingPunct="1">
+              <a:lnSpc>
+                <a:spcPct val="90000"/>
+              </a:lnSpc>
+              <a:spcBef>
+                <a:spcPts val="500"/>
+              </a:spcBef>
+              <a:buFont typeface="Arial"/>
+              <a:buChar char="•"/>
+              <a:defRPr sz="1800" kern="1200">
+                <a:solidFill>
+                  <a:schemeClr val="tx1"/>
+                </a:solidFill>
+                <a:latin typeface="+mn-lt"/>
+                <a:ea typeface="+mn-ea"/>
+                <a:cs typeface="+mn-cs"/>
+              </a:defRPr>
+            </a:lvl8pPr>
+            <a:lvl9pPr marL="3886200" indent="-228600" algn="l" defTabSz="914400" rtl="0" eaLnBrk="1" latinLnBrk="0" hangingPunct="1">
+              <a:lnSpc>
+                <a:spcPct val="90000"/>
+              </a:lnSpc>
+              <a:spcBef>
+                <a:spcPts val="500"/>
+              </a:spcBef>
+              <a:buFont typeface="Arial"/>
+              <a:buChar char="•"/>
+              <a:defRPr sz="1800" kern="1200">
+                <a:solidFill>
+                  <a:schemeClr val="tx1"/>
+                </a:solidFill>
+                <a:latin typeface="+mn-lt"/>
+                <a:ea typeface="+mn-ea"/>
+                <a:cs typeface="+mn-cs"/>
+              </a:defRPr>
+            </a:lvl9pPr>
+          </a:lstStyle>
+          <a:p>
+            <a:pPr marL="0" indent="0" algn="just">
+              <a:buNone/>
+            </a:pPr>
+            <a:r>
+              <a:rPr lang="en-US" dirty="0">
+                <a:solidFill>
+                  <a:srgbClr val="FFC000"/>
+                </a:solidFill>
+                <a:hlinkClick r:id="rId2">
+                  <a:extLst>
+                    <a:ext uri="{A12FA001-AC4F-418D-AE19-62706E023703}">
+                      <ahyp:hlinkClr xmlns:ahyp="http://schemas.microsoft.com/office/drawing/2018/hyperlinkcolor" val="tx"/>
+                    </a:ext>
+                  </a:extLst>
+                </a:hlinkClick>
+              </a:rPr>
+              <a:t>https://github.com/DaniArroyo/Data-Science-Capstone/blob/main/Interactive%20Dashboard.py</a:t>
+            </a:r>
+            <a:endParaRPr lang="en-US" dirty="0">
+              <a:solidFill>
+                <a:srgbClr val="FFC000"/>
+              </a:solidFill>
+            </a:endParaRPr>
+          </a:p>
+          <a:p>
+            <a:pPr marL="0" indent="0" algn="just">
+              <a:buFont typeface="Arial"/>
+              <a:buNone/>
+            </a:pPr>
+            <a:endParaRPr lang="en-US" dirty="0"/>
           </a:p>
         </p:txBody>
       </p:sp>
@@ -9842,8 +10064,8 @@
         </p:nvSpPr>
         <p:spPr>
           <a:xfrm>
-            <a:off x="4285075" y="1825625"/>
-            <a:ext cx="7068725" cy="4351338"/>
+            <a:off x="4285075" y="1690687"/>
+            <a:ext cx="7068725" cy="4802187"/>
           </a:xfrm>
           <a:prstGeom prst="rect">
             <a:avLst/>
@@ -10024,6 +10246,78 @@
             </a:r>
           </a:p>
           <a:p>
+            <a:pPr marL="0" indent="0" algn="just">
+              <a:buNone/>
+            </a:pPr>
+            <a:r>
+              <a:rPr lang="en-US" sz="2000" dirty="0">
+                <a:solidFill>
+                  <a:schemeClr val="accent1">
+                    <a:lumMod val="75000"/>
+                  </a:schemeClr>
+                </a:solidFill>
+                <a:latin typeface="+mn-lt"/>
+              </a:rPr>
+              <a:t>Through EDA we found out strong relationships between Payload mass and some of the orbits like GTO(negative) or Polar LEO ISS(positive), or between orbit and success rate.</a:t>
+            </a:r>
+          </a:p>
+          <a:p>
+            <a:pPr marL="0" indent="0" algn="just">
+              <a:buNone/>
+            </a:pPr>
+            <a:r>
+              <a:rPr lang="en-US" sz="2000" dirty="0">
+                <a:solidFill>
+                  <a:schemeClr val="accent1">
+                    <a:lumMod val="75000"/>
+                  </a:schemeClr>
+                </a:solidFill>
+                <a:latin typeface="+mn-lt"/>
+              </a:rPr>
+              <a:t>Also, we</a:t>
+            </a:r>
+            <a:r>
+              <a:rPr lang="en-US" sz="2000" b="0" i="0" dirty="0">
+                <a:solidFill>
+                  <a:schemeClr val="accent1">
+                    <a:lumMod val="75000"/>
+                  </a:schemeClr>
+                </a:solidFill>
+                <a:effectLst/>
+                <a:latin typeface="+mn-lt"/>
+              </a:rPr>
+              <a:t> can observe that the success rate since 2013 kept increasing till 2020.</a:t>
+            </a:r>
+            <a:endParaRPr lang="en-US" sz="2200" dirty="0"/>
+          </a:p>
+          <a:p>
+            <a:r>
+              <a:rPr lang="en-US" sz="2200" dirty="0"/>
+              <a:t>Interactive analytics demo in screenshots</a:t>
+            </a:r>
+          </a:p>
+          <a:p>
+            <a:pPr marL="0" indent="0" algn="just">
+              <a:buNone/>
+            </a:pPr>
+            <a:r>
+              <a:rPr lang="en-US" sz="2000" dirty="0">
+                <a:solidFill>
+                  <a:schemeClr val="accent1">
+                    <a:lumMod val="75000"/>
+                  </a:schemeClr>
+                </a:solidFill>
+              </a:rPr>
+              <a:t>We created interactive folium maps to understand important facts about the success rate of SpaceX rocket launch in each launch site. Also, we build an interactive analytics dashboard.</a:t>
+            </a:r>
+          </a:p>
+          <a:p>
+            <a:r>
+              <a:rPr lang="en-US" sz="2200" dirty="0"/>
+              <a:t>Predictive analysis results</a:t>
+            </a:r>
+          </a:p>
+          <a:p>
             <a:pPr marL="0" indent="0">
               <a:buNone/>
             </a:pPr>
@@ -10034,88 +10328,8 @@
                     <a:lumMod val="75000"/>
                   </a:schemeClr>
                 </a:solidFill>
-                <a:latin typeface="+mn-lt"/>
-              </a:rPr>
-              <a:t>Through EDA we found out strong relationships between Payload mass and some of the orbits like GTO(negative) or Polar LEO ISS(positive), or between orbit and </a:t>
-            </a:r>
-            <a:r>
-              <a:rPr lang="en-US" sz="2000">
-                <a:solidFill>
-                  <a:schemeClr val="accent1">
-                    <a:lumMod val="75000"/>
-                  </a:schemeClr>
-                </a:solidFill>
-                <a:latin typeface="+mn-lt"/>
-              </a:rPr>
-              <a:t>success rate.</a:t>
-            </a:r>
-            <a:endParaRPr lang="en-US" sz="2000" dirty="0">
-              <a:solidFill>
-                <a:schemeClr val="accent1">
-                  <a:lumMod val="75000"/>
-                </a:schemeClr>
-              </a:solidFill>
-              <a:latin typeface="+mn-lt"/>
-            </a:endParaRPr>
-          </a:p>
-          <a:p>
-            <a:pPr marL="0" indent="0">
-              <a:buNone/>
-            </a:pPr>
-            <a:r>
-              <a:rPr lang="en-US" sz="2000" dirty="0">
-                <a:solidFill>
-                  <a:schemeClr val="accent1">
-                    <a:lumMod val="75000"/>
-                  </a:schemeClr>
-                </a:solidFill>
-                <a:latin typeface="+mn-lt"/>
-              </a:rPr>
-              <a:t>Also, we</a:t>
-            </a:r>
-            <a:r>
-              <a:rPr lang="en-US" sz="2000" b="0" i="0" dirty="0">
-                <a:solidFill>
-                  <a:schemeClr val="accent1">
-                    <a:lumMod val="75000"/>
-                  </a:schemeClr>
-                </a:solidFill>
-                <a:effectLst/>
-                <a:latin typeface="+mn-lt"/>
-              </a:rPr>
-              <a:t> can observe that the success rate since 2013 kept increasing till 2020.</a:t>
-            </a:r>
-            <a:endParaRPr lang="en-US" sz="2000" dirty="0">
-              <a:solidFill>
-                <a:schemeClr val="accent1">
-                  <a:lumMod val="75000"/>
-                </a:schemeClr>
-              </a:solidFill>
-              <a:latin typeface="+mn-lt"/>
-            </a:endParaRPr>
-          </a:p>
-          <a:p>
-            <a:endParaRPr lang="en-US" sz="2200" dirty="0"/>
-          </a:p>
-          <a:p>
-            <a:endParaRPr lang="en-US" sz="2200" dirty="0"/>
-          </a:p>
-          <a:p>
-            <a:r>
-              <a:rPr lang="en-US" sz="2200" dirty="0"/>
-              <a:t>Interactive analytics demo in screenshots</a:t>
-            </a:r>
-          </a:p>
-          <a:p>
-            <a:pPr marL="0" indent="0">
-              <a:buNone/>
-            </a:pPr>
-            <a:endParaRPr lang="en-US" sz="2200" dirty="0"/>
-          </a:p>
-          <a:p>
-            <a:r>
-              <a:rPr lang="en-US" sz="2200" dirty="0"/>
-              <a:t>Predictive analysis results</a:t>
+              </a:rPr>
+              <a:t>Most of the machine learning models that we built have great accuracy and have a high chance of predicting whether SpaceX is not going to land the first stage successfully or not.</a:t>
             </a:r>
           </a:p>
           <a:p>
@@ -18967,8 +19181,8 @@
         </p:nvSpPr>
         <p:spPr>
           <a:xfrm>
-            <a:off x="4285075" y="1825624"/>
-            <a:ext cx="7068725" cy="4465447"/>
+            <a:off x="4285075" y="2166767"/>
+            <a:ext cx="7068725" cy="3330576"/>
           </a:xfrm>
           <a:prstGeom prst="rect">
             <a:avLst/>
@@ -19143,24 +19357,45 @@
             </a:lvl9pPr>
           </a:lstStyle>
           <a:p>
+            <a:r>
+              <a:rPr lang="en-US" sz="2200" dirty="0"/>
+              <a:t>Summary of methodologies</a:t>
+            </a:r>
+          </a:p>
+          <a:p>
             <a:pPr marL="0" indent="0">
               <a:buNone/>
             </a:pPr>
-            <a:endParaRPr lang="en-US" sz="2200" dirty="0"/>
-          </a:p>
-          <a:p>
-            <a:r>
-              <a:rPr lang="en-US" sz="2200" dirty="0"/>
-              <a:t>Summary of methodologies</a:t>
-            </a:r>
-          </a:p>
-          <a:p>
-            <a:endParaRPr lang="en-US" sz="2200" dirty="0"/>
+            <a:r>
+              <a:rPr lang="en-US" sz="2200" dirty="0">
+                <a:solidFill>
+                  <a:schemeClr val="accent1">
+                    <a:lumMod val="75000"/>
+                  </a:schemeClr>
+                </a:solidFill>
+              </a:rPr>
+              <a:t>Many python libraries were used through different stages helping us understand and prepare de data, analyze and visualize from many angles with plots and SQL queries among other things.</a:t>
+            </a:r>
           </a:p>
           <a:p>
             <a:r>
               <a:rPr lang="en-US" sz="2200" dirty="0"/>
               <a:t>Summary of all results</a:t>
+            </a:r>
+          </a:p>
+          <a:p>
+            <a:pPr marL="0" indent="0">
+              <a:buNone/>
+            </a:pPr>
+            <a:r>
+              <a:rPr lang="en-US" sz="2200" dirty="0">
+                <a:solidFill>
+                  <a:schemeClr val="accent1">
+                    <a:lumMod val="75000"/>
+                  </a:schemeClr>
+                </a:solidFill>
+              </a:rPr>
+              <a:t>We can quite guess if SpaceX is going to land successfully the first stage of the rocket launch thanks to many machine learning models made in this project,</a:t>
             </a:r>
           </a:p>
         </p:txBody>
@@ -25994,15 +26229,49 @@
             <p:ph type="title"/>
           </p:nvPr>
         </p:nvSpPr>
-        <p:spPr/>
+        <p:spPr>
+          <a:xfrm>
+            <a:off x="838200" y="573414"/>
+            <a:ext cx="10515600" cy="809393"/>
+          </a:xfrm>
+        </p:spPr>
         <p:txBody>
           <a:bodyPr/>
           <a:lstStyle/>
           <a:p>
             <a:r>
-              <a:rPr lang="en-US" dirty="0"/>
-              <a:t>&lt;Dashboard screenshot 1&gt;</a:t>
-            </a:r>
+              <a:rPr lang="es-MX" dirty="0" err="1"/>
+              <a:t>Successful</a:t>
+            </a:r>
+            <a:r>
+              <a:rPr lang="es-MX" dirty="0"/>
+              <a:t> </a:t>
+            </a:r>
+            <a:r>
+              <a:rPr lang="es-MX" dirty="0" err="1"/>
+              <a:t>Launches</a:t>
+            </a:r>
+            <a:r>
+              <a:rPr lang="es-MX" dirty="0"/>
+              <a:t> </a:t>
+            </a:r>
+            <a:r>
+              <a:rPr lang="es-MX" dirty="0" err="1"/>
+              <a:t>by</a:t>
+            </a:r>
+            <a:r>
+              <a:rPr lang="es-MX" dirty="0"/>
+              <a:t> </a:t>
+            </a:r>
+            <a:r>
+              <a:rPr lang="es-MX" dirty="0" err="1"/>
+              <a:t>Launch</a:t>
+            </a:r>
+            <a:r>
+              <a:rPr lang="es-MX" dirty="0"/>
+              <a:t> Site</a:t>
+            </a:r>
+            <a:endParaRPr lang="en-US" dirty="0"/>
           </a:p>
         </p:txBody>
       </p:sp>
@@ -26025,34 +26294,34 @@
         <p:spPr>
           <a:xfrm>
             <a:off x="838200" y="1453123"/>
-            <a:ext cx="10515600" cy="1975877"/>
+            <a:ext cx="10515600" cy="1325563"/>
           </a:xfrm>
         </p:spPr>
         <p:txBody>
           <a:bodyPr>
-            <a:normAutofit/>
+            <a:normAutofit lnSpcReduction="10000"/>
           </a:bodyPr>
           <a:lstStyle/>
           <a:p>
             <a:r>
-              <a:rPr lang="en-US" dirty="0"/>
+              <a:rPr lang="en-US" sz="2400" dirty="0"/>
               <a:t>Replace &lt;Dashboard screenshot 1&gt; title with an appropriate title</a:t>
             </a:r>
           </a:p>
           <a:p>
             <a:r>
-              <a:rPr lang="en-US" dirty="0"/>
+              <a:rPr lang="en-US" sz="2400" dirty="0"/>
               <a:t>Show the screenshot of launch success count for all sites, in a </a:t>
             </a:r>
             <a:r>
-              <a:rPr lang="en-US" dirty="0" err="1"/>
+              <a:rPr lang="en-US" sz="2400" dirty="0" err="1"/>
               <a:t>piechart</a:t>
             </a:r>
-            <a:endParaRPr lang="en-US" dirty="0"/>
-          </a:p>
-          <a:p>
-            <a:r>
-              <a:rPr lang="en-US" dirty="0"/>
+            <a:endParaRPr lang="en-US" sz="2400" dirty="0"/>
+          </a:p>
+          <a:p>
+            <a:r>
+              <a:rPr lang="en-US" sz="2400" dirty="0"/>
               <a:t>Explain the important elements and findings on the screenshot</a:t>
             </a:r>
           </a:p>
@@ -26087,6 +26356,247 @@
               <a:t>41</a:t>
             </a:fld>
             <a:endParaRPr lang="en-US"/>
+          </a:p>
+        </p:txBody>
+      </p:sp>
+      <p:pic>
+        <p:nvPicPr>
+          <p:cNvPr id="6" name="Imagen 5">
+            <a:extLst>
+              <a:ext uri="{FF2B5EF4-FFF2-40B4-BE49-F238E27FC236}">
+                <a16:creationId xmlns:a16="http://schemas.microsoft.com/office/drawing/2014/main" id="{E460CB9D-5AE3-40CB-9BD8-6B99DA62DA14}"/>
+              </a:ext>
+            </a:extLst>
+          </p:cNvPr>
+          <p:cNvPicPr>
+            <a:picLocks noChangeAspect="1"/>
+          </p:cNvPicPr>
+          <p:nvPr/>
+        </p:nvPicPr>
+        <p:blipFill>
+          <a:blip r:embed="rId2"/>
+          <a:stretch>
+            <a:fillRect/>
+          </a:stretch>
+        </p:blipFill>
+        <p:spPr>
+          <a:xfrm>
+            <a:off x="838200" y="2778686"/>
+            <a:ext cx="8640549" cy="3625850"/>
+          </a:xfrm>
+          <a:prstGeom prst="rect">
+            <a:avLst/>
+          </a:prstGeom>
+        </p:spPr>
+      </p:pic>
+      <p:sp>
+        <p:nvSpPr>
+          <p:cNvPr id="7" name="Content Placeholder 4">
+            <a:extLst>
+              <a:ext uri="{FF2B5EF4-FFF2-40B4-BE49-F238E27FC236}">
+                <a16:creationId xmlns:a16="http://schemas.microsoft.com/office/drawing/2014/main" id="{67A083A0-3E8C-4EEC-A7B7-57000EB0FBCA}"/>
+              </a:ext>
+            </a:extLst>
+          </p:cNvPr>
+          <p:cNvSpPr txBox="1">
+            <a:spLocks/>
+          </p:cNvSpPr>
+          <p:nvPr/>
+        </p:nvSpPr>
+        <p:spPr>
+          <a:xfrm>
+            <a:off x="6718300" y="4713847"/>
+            <a:ext cx="4635500" cy="1325564"/>
+          </a:xfrm>
+          <a:prstGeom prst="rect">
+            <a:avLst/>
+          </a:prstGeom>
+        </p:spPr>
+        <p:txBody>
+          <a:bodyPr vert="horz" lIns="91440" tIns="45720" rIns="91440" bIns="45720" rtlCol="0">
+            <a:normAutofit lnSpcReduction="10000"/>
+          </a:bodyPr>
+          <a:lstStyle>
+            <a:lvl1pPr marL="228600" indent="-228600" algn="l" defTabSz="914400" rtl="0" eaLnBrk="1" latinLnBrk="0" hangingPunct="1">
+              <a:lnSpc>
+                <a:spcPct val="90000"/>
+              </a:lnSpc>
+              <a:spcBef>
+                <a:spcPts val="1000"/>
+              </a:spcBef>
+              <a:buFont typeface="Arial"/>
+              <a:buChar char="•"/>
+              <a:defRPr sz="2800" kern="1200">
+                <a:solidFill>
+                  <a:srgbClr val="0070C0"/>
+                </a:solidFill>
+                <a:latin typeface="IBM Plex Mono Text" panose="020B0509050203000203" pitchFamily="49" charset="0"/>
+                <a:ea typeface="+mn-ea"/>
+                <a:cs typeface="+mn-cs"/>
+              </a:defRPr>
+            </a:lvl1pPr>
+            <a:lvl2pPr marL="685800" indent="-228600" algn="l" defTabSz="914400" rtl="0" eaLnBrk="1" latinLnBrk="0" hangingPunct="1">
+              <a:lnSpc>
+                <a:spcPct val="90000"/>
+              </a:lnSpc>
+              <a:spcBef>
+                <a:spcPts val="500"/>
+              </a:spcBef>
+              <a:buFont typeface="Arial"/>
+              <a:buChar char="•"/>
+              <a:defRPr sz="2400" kern="1200">
+                <a:solidFill>
+                  <a:srgbClr val="0070C0"/>
+                </a:solidFill>
+                <a:latin typeface="IBM Plex Mono Text" panose="020B0509050203000203" pitchFamily="49" charset="0"/>
+                <a:ea typeface="+mn-ea"/>
+                <a:cs typeface="+mn-cs"/>
+              </a:defRPr>
+            </a:lvl2pPr>
+            <a:lvl3pPr marL="1143000" indent="-228600" algn="l" defTabSz="914400" rtl="0" eaLnBrk="1" latinLnBrk="0" hangingPunct="1">
+              <a:lnSpc>
+                <a:spcPct val="90000"/>
+              </a:lnSpc>
+              <a:spcBef>
+                <a:spcPts val="500"/>
+              </a:spcBef>
+              <a:buFont typeface="Arial"/>
+              <a:buChar char="•"/>
+              <a:defRPr sz="2000" kern="1200">
+                <a:solidFill>
+                  <a:srgbClr val="0070C0"/>
+                </a:solidFill>
+                <a:latin typeface="IBM Plex Mono Text" panose="020B0509050203000203" pitchFamily="49" charset="0"/>
+                <a:ea typeface="+mn-ea"/>
+                <a:cs typeface="+mn-cs"/>
+              </a:defRPr>
+            </a:lvl3pPr>
+            <a:lvl4pPr marL="1600200" indent="-228600" algn="l" defTabSz="914400" rtl="0" eaLnBrk="1" latinLnBrk="0" hangingPunct="1">
+              <a:lnSpc>
+                <a:spcPct val="90000"/>
+              </a:lnSpc>
+              <a:spcBef>
+                <a:spcPts val="500"/>
+              </a:spcBef>
+              <a:buFont typeface="Arial"/>
+              <a:buChar char="•"/>
+              <a:defRPr sz="1800" kern="1200">
+                <a:solidFill>
+                  <a:srgbClr val="0070C0"/>
+                </a:solidFill>
+                <a:latin typeface="IBM Plex Mono Text" panose="020B0509050203000203" pitchFamily="49" charset="0"/>
+                <a:ea typeface="+mn-ea"/>
+                <a:cs typeface="+mn-cs"/>
+              </a:defRPr>
+            </a:lvl4pPr>
+            <a:lvl5pPr marL="2057400" indent="-228600" algn="l" defTabSz="914400" rtl="0" eaLnBrk="1" latinLnBrk="0" hangingPunct="1">
+              <a:lnSpc>
+                <a:spcPct val="90000"/>
+              </a:lnSpc>
+              <a:spcBef>
+                <a:spcPts val="500"/>
+              </a:spcBef>
+              <a:buFont typeface="Arial"/>
+              <a:buChar char="•"/>
+              <a:defRPr sz="1800" kern="1200">
+                <a:solidFill>
+                  <a:srgbClr val="0070C0"/>
+                </a:solidFill>
+                <a:latin typeface="IBM Plex Mono Text" panose="020B0509050203000203" pitchFamily="49" charset="0"/>
+                <a:ea typeface="+mn-ea"/>
+                <a:cs typeface="+mn-cs"/>
+              </a:defRPr>
+            </a:lvl5pPr>
+            <a:lvl6pPr marL="2514600" indent="-228600" algn="l" defTabSz="914400" rtl="0" eaLnBrk="1" latinLnBrk="0" hangingPunct="1">
+              <a:lnSpc>
+                <a:spcPct val="90000"/>
+              </a:lnSpc>
+              <a:spcBef>
+                <a:spcPts val="500"/>
+              </a:spcBef>
+              <a:buFont typeface="Arial"/>
+              <a:buChar char="•"/>
+              <a:defRPr sz="1800" kern="1200">
+                <a:solidFill>
+                  <a:schemeClr val="tx1"/>
+                </a:solidFill>
+                <a:latin typeface="+mn-lt"/>
+                <a:ea typeface="+mn-ea"/>
+                <a:cs typeface="+mn-cs"/>
+              </a:defRPr>
+            </a:lvl6pPr>
+            <a:lvl7pPr marL="2971800" indent="-228600" algn="l" defTabSz="914400" rtl="0" eaLnBrk="1" latinLnBrk="0" hangingPunct="1">
+              <a:lnSpc>
+                <a:spcPct val="90000"/>
+              </a:lnSpc>
+              <a:spcBef>
+                <a:spcPts val="500"/>
+              </a:spcBef>
+              <a:buFont typeface="Arial"/>
+              <a:buChar char="•"/>
+              <a:defRPr sz="1800" kern="1200">
+                <a:solidFill>
+                  <a:schemeClr val="tx1"/>
+                </a:solidFill>
+                <a:latin typeface="+mn-lt"/>
+                <a:ea typeface="+mn-ea"/>
+                <a:cs typeface="+mn-cs"/>
+              </a:defRPr>
+            </a:lvl7pPr>
+            <a:lvl8pPr marL="3429000" indent="-228600" algn="l" defTabSz="914400" rtl="0" eaLnBrk="1" latinLnBrk="0" hangingPunct="1">
+              <a:lnSpc>
+                <a:spcPct val="90000"/>
+              </a:lnSpc>
+              <a:spcBef>
+                <a:spcPts val="500"/>
+              </a:spcBef>
+              <a:buFont typeface="Arial"/>
+              <a:buChar char="•"/>
+              <a:defRPr sz="1800" kern="1200">
+                <a:solidFill>
+                  <a:schemeClr val="tx1"/>
+                </a:solidFill>
+                <a:latin typeface="+mn-lt"/>
+                <a:ea typeface="+mn-ea"/>
+                <a:cs typeface="+mn-cs"/>
+              </a:defRPr>
+            </a:lvl8pPr>
+            <a:lvl9pPr marL="3886200" indent="-228600" algn="l" defTabSz="914400" rtl="0" eaLnBrk="1" latinLnBrk="0" hangingPunct="1">
+              <a:lnSpc>
+                <a:spcPct val="90000"/>
+              </a:lnSpc>
+              <a:spcBef>
+                <a:spcPts val="500"/>
+              </a:spcBef>
+              <a:buFont typeface="Arial"/>
+              <a:buChar char="•"/>
+              <a:defRPr sz="1800" kern="1200">
+                <a:solidFill>
+                  <a:schemeClr val="tx1"/>
+                </a:solidFill>
+                <a:latin typeface="+mn-lt"/>
+                <a:ea typeface="+mn-ea"/>
+                <a:cs typeface="+mn-cs"/>
+              </a:defRPr>
+            </a:lvl9pPr>
+          </a:lstStyle>
+          <a:p>
+            <a:pPr marL="0" indent="0">
+              <a:buNone/>
+            </a:pPr>
+            <a:r>
+              <a:rPr lang="en-US" sz="2400" dirty="0">
+                <a:solidFill>
+                  <a:schemeClr val="accent1">
+                    <a:lumMod val="75000"/>
+                  </a:schemeClr>
+                </a:solidFill>
+              </a:rPr>
+              <a:t>Here we can see that KSC LC-39A has the higher successful launches rate while CCAFS SLC-40 has the lowest one.</a:t>
+            </a:r>
+          </a:p>
+          <a:p>
+            <a:endParaRPr lang="en-US" dirty="0"/>
           </a:p>
         </p:txBody>
       </p:sp>
@@ -26136,14 +26646,19 @@
             <p:ph type="title"/>
           </p:nvPr>
         </p:nvSpPr>
-        <p:spPr/>
+        <p:spPr>
+          <a:xfrm>
+            <a:off x="838200" y="488524"/>
+            <a:ext cx="10515600" cy="910922"/>
+          </a:xfrm>
+        </p:spPr>
         <p:txBody>
           <a:bodyPr/>
           <a:lstStyle/>
           <a:p>
             <a:r>
               <a:rPr lang="en-US" dirty="0"/>
-              <a:t>&lt;Dashboard screenshot 2&gt;</a:t>
+              <a:t>Launch Site with Highest Success Rate</a:t>
             </a:r>
           </a:p>
         </p:txBody>
@@ -26164,7 +26679,12 @@
             <p:ph idx="1"/>
           </p:nvPr>
         </p:nvSpPr>
-        <p:spPr/>
+        <p:spPr>
+          <a:xfrm>
+            <a:off x="838200" y="1430339"/>
+            <a:ext cx="10515600" cy="1738312"/>
+          </a:xfrm>
+        </p:spPr>
         <p:txBody>
           <a:bodyPr>
             <a:normAutofit/>
@@ -26172,36 +26692,27 @@
           <a:lstStyle/>
           <a:p>
             <a:r>
-              <a:rPr lang="en-US" dirty="0"/>
+              <a:rPr lang="en-US" sz="2400" dirty="0"/>
               <a:t>Replace &lt;Dashboard screenshot 2&gt; title with an appropriate title</a:t>
             </a:r>
           </a:p>
           <a:p>
-            <a:pPr marL="0" indent="0">
-              <a:buNone/>
-            </a:pPr>
-            <a:endParaRPr lang="en-US" dirty="0"/>
-          </a:p>
-          <a:p>
-            <a:r>
-              <a:rPr lang="en-US" dirty="0"/>
+            <a:r>
+              <a:rPr lang="en-US" sz="2400" dirty="0"/>
               <a:t>Show the screenshot of the </a:t>
             </a:r>
             <a:r>
-              <a:rPr lang="en-US" dirty="0" err="1"/>
+              <a:rPr lang="en-US" sz="2400" dirty="0" err="1"/>
               <a:t>piechart</a:t>
             </a:r>
             <a:r>
-              <a:rPr lang="en-US" dirty="0"/>
+              <a:rPr lang="en-US" sz="2400" dirty="0"/>
               <a:t> for the launch site with highest launch success ratio</a:t>
             </a:r>
           </a:p>
           <a:p>
-            <a:endParaRPr lang="en-US" dirty="0"/>
-          </a:p>
-          <a:p>
-            <a:r>
-              <a:rPr lang="en-US" dirty="0"/>
+            <a:r>
+              <a:rPr lang="en-US" sz="2400" dirty="0"/>
               <a:t>Explain the important elements and findings on the screenshot</a:t>
             </a:r>
           </a:p>
@@ -26236,6 +26747,247 @@
               <a:t>42</a:t>
             </a:fld>
             <a:endParaRPr lang="en-US"/>
+          </a:p>
+        </p:txBody>
+      </p:sp>
+      <p:pic>
+        <p:nvPicPr>
+          <p:cNvPr id="6" name="Imagen 5">
+            <a:extLst>
+              <a:ext uri="{FF2B5EF4-FFF2-40B4-BE49-F238E27FC236}">
+                <a16:creationId xmlns:a16="http://schemas.microsoft.com/office/drawing/2014/main" id="{DDE5C3B6-BC5B-4D18-A486-EC63A4E5E9B0}"/>
+              </a:ext>
+            </a:extLst>
+          </p:cNvPr>
+          <p:cNvPicPr>
+            <a:picLocks noChangeAspect="1"/>
+          </p:cNvPicPr>
+          <p:nvPr/>
+        </p:nvPicPr>
+        <p:blipFill>
+          <a:blip r:embed="rId2"/>
+          <a:stretch>
+            <a:fillRect/>
+          </a:stretch>
+        </p:blipFill>
+        <p:spPr>
+          <a:xfrm>
+            <a:off x="1012825" y="3199544"/>
+            <a:ext cx="7915275" cy="3405062"/>
+          </a:xfrm>
+          <a:prstGeom prst="rect">
+            <a:avLst/>
+          </a:prstGeom>
+        </p:spPr>
+      </p:pic>
+      <p:sp>
+        <p:nvSpPr>
+          <p:cNvPr id="7" name="Content Placeholder 4">
+            <a:extLst>
+              <a:ext uri="{FF2B5EF4-FFF2-40B4-BE49-F238E27FC236}">
+                <a16:creationId xmlns:a16="http://schemas.microsoft.com/office/drawing/2014/main" id="{00759554-95BF-4695-8D6C-2AA7AD1F55ED}"/>
+              </a:ext>
+            </a:extLst>
+          </p:cNvPr>
+          <p:cNvSpPr txBox="1">
+            <a:spLocks/>
+          </p:cNvSpPr>
+          <p:nvPr/>
+        </p:nvSpPr>
+        <p:spPr>
+          <a:xfrm>
+            <a:off x="6896100" y="4764879"/>
+            <a:ext cx="4635500" cy="1325564"/>
+          </a:xfrm>
+          <a:prstGeom prst="rect">
+            <a:avLst/>
+          </a:prstGeom>
+        </p:spPr>
+        <p:txBody>
+          <a:bodyPr vert="horz" lIns="91440" tIns="45720" rIns="91440" bIns="45720" rtlCol="0">
+            <a:normAutofit lnSpcReduction="10000"/>
+          </a:bodyPr>
+          <a:lstStyle>
+            <a:lvl1pPr marL="228600" indent="-228600" algn="l" defTabSz="914400" rtl="0" eaLnBrk="1" latinLnBrk="0" hangingPunct="1">
+              <a:lnSpc>
+                <a:spcPct val="90000"/>
+              </a:lnSpc>
+              <a:spcBef>
+                <a:spcPts val="1000"/>
+              </a:spcBef>
+              <a:buFont typeface="Arial"/>
+              <a:buChar char="•"/>
+              <a:defRPr sz="2800" kern="1200">
+                <a:solidFill>
+                  <a:srgbClr val="0070C0"/>
+                </a:solidFill>
+                <a:latin typeface="IBM Plex Mono Text" panose="020B0509050203000203" pitchFamily="49" charset="0"/>
+                <a:ea typeface="+mn-ea"/>
+                <a:cs typeface="+mn-cs"/>
+              </a:defRPr>
+            </a:lvl1pPr>
+            <a:lvl2pPr marL="685800" indent="-228600" algn="l" defTabSz="914400" rtl="0" eaLnBrk="1" latinLnBrk="0" hangingPunct="1">
+              <a:lnSpc>
+                <a:spcPct val="90000"/>
+              </a:lnSpc>
+              <a:spcBef>
+                <a:spcPts val="500"/>
+              </a:spcBef>
+              <a:buFont typeface="Arial"/>
+              <a:buChar char="•"/>
+              <a:defRPr sz="2400" kern="1200">
+                <a:solidFill>
+                  <a:srgbClr val="0070C0"/>
+                </a:solidFill>
+                <a:latin typeface="IBM Plex Mono Text" panose="020B0509050203000203" pitchFamily="49" charset="0"/>
+                <a:ea typeface="+mn-ea"/>
+                <a:cs typeface="+mn-cs"/>
+              </a:defRPr>
+            </a:lvl2pPr>
+            <a:lvl3pPr marL="1143000" indent="-228600" algn="l" defTabSz="914400" rtl="0" eaLnBrk="1" latinLnBrk="0" hangingPunct="1">
+              <a:lnSpc>
+                <a:spcPct val="90000"/>
+              </a:lnSpc>
+              <a:spcBef>
+                <a:spcPts val="500"/>
+              </a:spcBef>
+              <a:buFont typeface="Arial"/>
+              <a:buChar char="•"/>
+              <a:defRPr sz="2000" kern="1200">
+                <a:solidFill>
+                  <a:srgbClr val="0070C0"/>
+                </a:solidFill>
+                <a:latin typeface="IBM Plex Mono Text" panose="020B0509050203000203" pitchFamily="49" charset="0"/>
+                <a:ea typeface="+mn-ea"/>
+                <a:cs typeface="+mn-cs"/>
+              </a:defRPr>
+            </a:lvl3pPr>
+            <a:lvl4pPr marL="1600200" indent="-228600" algn="l" defTabSz="914400" rtl="0" eaLnBrk="1" latinLnBrk="0" hangingPunct="1">
+              <a:lnSpc>
+                <a:spcPct val="90000"/>
+              </a:lnSpc>
+              <a:spcBef>
+                <a:spcPts val="500"/>
+              </a:spcBef>
+              <a:buFont typeface="Arial"/>
+              <a:buChar char="•"/>
+              <a:defRPr sz="1800" kern="1200">
+                <a:solidFill>
+                  <a:srgbClr val="0070C0"/>
+                </a:solidFill>
+                <a:latin typeface="IBM Plex Mono Text" panose="020B0509050203000203" pitchFamily="49" charset="0"/>
+                <a:ea typeface="+mn-ea"/>
+                <a:cs typeface="+mn-cs"/>
+              </a:defRPr>
+            </a:lvl4pPr>
+            <a:lvl5pPr marL="2057400" indent="-228600" algn="l" defTabSz="914400" rtl="0" eaLnBrk="1" latinLnBrk="0" hangingPunct="1">
+              <a:lnSpc>
+                <a:spcPct val="90000"/>
+              </a:lnSpc>
+              <a:spcBef>
+                <a:spcPts val="500"/>
+              </a:spcBef>
+              <a:buFont typeface="Arial"/>
+              <a:buChar char="•"/>
+              <a:defRPr sz="1800" kern="1200">
+                <a:solidFill>
+                  <a:srgbClr val="0070C0"/>
+                </a:solidFill>
+                <a:latin typeface="IBM Plex Mono Text" panose="020B0509050203000203" pitchFamily="49" charset="0"/>
+                <a:ea typeface="+mn-ea"/>
+                <a:cs typeface="+mn-cs"/>
+              </a:defRPr>
+            </a:lvl5pPr>
+            <a:lvl6pPr marL="2514600" indent="-228600" algn="l" defTabSz="914400" rtl="0" eaLnBrk="1" latinLnBrk="0" hangingPunct="1">
+              <a:lnSpc>
+                <a:spcPct val="90000"/>
+              </a:lnSpc>
+              <a:spcBef>
+                <a:spcPts val="500"/>
+              </a:spcBef>
+              <a:buFont typeface="Arial"/>
+              <a:buChar char="•"/>
+              <a:defRPr sz="1800" kern="1200">
+                <a:solidFill>
+                  <a:schemeClr val="tx1"/>
+                </a:solidFill>
+                <a:latin typeface="+mn-lt"/>
+                <a:ea typeface="+mn-ea"/>
+                <a:cs typeface="+mn-cs"/>
+              </a:defRPr>
+            </a:lvl6pPr>
+            <a:lvl7pPr marL="2971800" indent="-228600" algn="l" defTabSz="914400" rtl="0" eaLnBrk="1" latinLnBrk="0" hangingPunct="1">
+              <a:lnSpc>
+                <a:spcPct val="90000"/>
+              </a:lnSpc>
+              <a:spcBef>
+                <a:spcPts val="500"/>
+              </a:spcBef>
+              <a:buFont typeface="Arial"/>
+              <a:buChar char="•"/>
+              <a:defRPr sz="1800" kern="1200">
+                <a:solidFill>
+                  <a:schemeClr val="tx1"/>
+                </a:solidFill>
+                <a:latin typeface="+mn-lt"/>
+                <a:ea typeface="+mn-ea"/>
+                <a:cs typeface="+mn-cs"/>
+              </a:defRPr>
+            </a:lvl7pPr>
+            <a:lvl8pPr marL="3429000" indent="-228600" algn="l" defTabSz="914400" rtl="0" eaLnBrk="1" latinLnBrk="0" hangingPunct="1">
+              <a:lnSpc>
+                <a:spcPct val="90000"/>
+              </a:lnSpc>
+              <a:spcBef>
+                <a:spcPts val="500"/>
+              </a:spcBef>
+              <a:buFont typeface="Arial"/>
+              <a:buChar char="•"/>
+              <a:defRPr sz="1800" kern="1200">
+                <a:solidFill>
+                  <a:schemeClr val="tx1"/>
+                </a:solidFill>
+                <a:latin typeface="+mn-lt"/>
+                <a:ea typeface="+mn-ea"/>
+                <a:cs typeface="+mn-cs"/>
+              </a:defRPr>
+            </a:lvl8pPr>
+            <a:lvl9pPr marL="3886200" indent="-228600" algn="l" defTabSz="914400" rtl="0" eaLnBrk="1" latinLnBrk="0" hangingPunct="1">
+              <a:lnSpc>
+                <a:spcPct val="90000"/>
+              </a:lnSpc>
+              <a:spcBef>
+                <a:spcPts val="500"/>
+              </a:spcBef>
+              <a:buFont typeface="Arial"/>
+              <a:buChar char="•"/>
+              <a:defRPr sz="1800" kern="1200">
+                <a:solidFill>
+                  <a:schemeClr val="tx1"/>
+                </a:solidFill>
+                <a:latin typeface="+mn-lt"/>
+                <a:ea typeface="+mn-ea"/>
+                <a:cs typeface="+mn-cs"/>
+              </a:defRPr>
+            </a:lvl9pPr>
+          </a:lstStyle>
+          <a:p>
+            <a:pPr marL="0" indent="0">
+              <a:buNone/>
+            </a:pPr>
+            <a:r>
+              <a:rPr lang="en-US" sz="2400" dirty="0">
+                <a:solidFill>
+                  <a:schemeClr val="accent1">
+                    <a:lumMod val="75000"/>
+                  </a:schemeClr>
+                </a:solidFill>
+              </a:rPr>
+              <a:t>As seen before the launch site with the highest success rate is KSC LC-39 with 76.9 % followed by CCAFS LC-40</a:t>
+            </a:r>
+          </a:p>
+          <a:p>
+            <a:endParaRPr lang="en-US" dirty="0"/>
           </a:p>
         </p:txBody>
       </p:sp>
@@ -26285,14 +27037,27 @@
             <p:ph type="title"/>
           </p:nvPr>
         </p:nvSpPr>
-        <p:spPr/>
+        <p:spPr>
+          <a:xfrm>
+            <a:off x="838200" y="492125"/>
+            <a:ext cx="10515600" cy="1011239"/>
+          </a:xfrm>
+        </p:spPr>
         <p:txBody>
           <a:bodyPr/>
           <a:lstStyle/>
           <a:p>
             <a:r>
               <a:rPr lang="en-US" dirty="0"/>
-              <a:t>&lt;Dashboard screenshot 3&gt;</a:t>
+              <a:t>Boosters </a:t>
+            </a:r>
+            <a:r>
+              <a:rPr lang="en-US" dirty="0" err="1"/>
+              <a:t>Succes</a:t>
+            </a:r>
+            <a:r>
+              <a:rPr lang="en-US" dirty="0"/>
+              <a:t> Rates with Different Payloads</a:t>
             </a:r>
           </a:p>
         </p:txBody>
@@ -26313,7 +27078,12 @@
             <p:ph idx="1"/>
           </p:nvPr>
         </p:nvSpPr>
-        <p:spPr/>
+        <p:spPr>
+          <a:xfrm>
+            <a:off x="838200" y="1503364"/>
+            <a:ext cx="10515600" cy="1684336"/>
+          </a:xfrm>
+        </p:spPr>
         <p:txBody>
           <a:bodyPr>
             <a:normAutofit/>
@@ -26321,31 +27091,19 @@
           <a:lstStyle/>
           <a:p>
             <a:r>
-              <a:rPr lang="en-US" dirty="0"/>
+              <a:rPr lang="en-US" sz="2400" dirty="0"/>
               <a:t>Replace &lt;Dashboard screenshot 3&gt; title with an appropriate title</a:t>
             </a:r>
           </a:p>
           <a:p>
-            <a:pPr marL="0" indent="0">
-              <a:buNone/>
-            </a:pPr>
-            <a:endParaRPr lang="en-US" dirty="0"/>
-          </a:p>
-          <a:p>
-            <a:r>
-              <a:rPr lang="en-US" dirty="0"/>
+            <a:r>
+              <a:rPr lang="en-US" sz="2400" dirty="0"/>
               <a:t>Show screenshots of Payload vs. Launch Outcome scatter plot for all sites, with different payload selected in the range slider</a:t>
             </a:r>
           </a:p>
           <a:p>
-            <a:pPr marL="0" indent="0">
-              <a:buNone/>
-            </a:pPr>
-            <a:endParaRPr lang="en-US" dirty="0"/>
-          </a:p>
-          <a:p>
-            <a:r>
-              <a:rPr lang="en-US" dirty="0"/>
+            <a:r>
+              <a:rPr lang="en-US" sz="2400" dirty="0"/>
               <a:t>Explain the important elements and findings on the screenshot</a:t>
             </a:r>
           </a:p>
@@ -26380,6 +27138,247 @@
               <a:t>43</a:t>
             </a:fld>
             <a:endParaRPr lang="en-US"/>
+          </a:p>
+        </p:txBody>
+      </p:sp>
+      <p:pic>
+        <p:nvPicPr>
+          <p:cNvPr id="6" name="Imagen 5">
+            <a:extLst>
+              <a:ext uri="{FF2B5EF4-FFF2-40B4-BE49-F238E27FC236}">
+                <a16:creationId xmlns:a16="http://schemas.microsoft.com/office/drawing/2014/main" id="{528C781F-0521-4B82-8793-0748027C68E7}"/>
+              </a:ext>
+            </a:extLst>
+          </p:cNvPr>
+          <p:cNvPicPr>
+            <a:picLocks noChangeAspect="1"/>
+          </p:cNvPicPr>
+          <p:nvPr/>
+        </p:nvPicPr>
+        <p:blipFill>
+          <a:blip r:embed="rId2"/>
+          <a:stretch>
+            <a:fillRect/>
+          </a:stretch>
+        </p:blipFill>
+        <p:spPr>
+          <a:xfrm>
+            <a:off x="1028700" y="3187700"/>
+            <a:ext cx="6489700" cy="3452301"/>
+          </a:xfrm>
+          <a:prstGeom prst="rect">
+            <a:avLst/>
+          </a:prstGeom>
+        </p:spPr>
+      </p:pic>
+      <p:sp>
+        <p:nvSpPr>
+          <p:cNvPr id="7" name="Content Placeholder 4">
+            <a:extLst>
+              <a:ext uri="{FF2B5EF4-FFF2-40B4-BE49-F238E27FC236}">
+                <a16:creationId xmlns:a16="http://schemas.microsoft.com/office/drawing/2014/main" id="{D6F4B2E2-DD9D-4583-B005-650381894B17}"/>
+              </a:ext>
+            </a:extLst>
+          </p:cNvPr>
+          <p:cNvSpPr txBox="1">
+            <a:spLocks/>
+          </p:cNvSpPr>
+          <p:nvPr/>
+        </p:nvSpPr>
+        <p:spPr>
+          <a:xfrm>
+            <a:off x="6527800" y="4913850"/>
+            <a:ext cx="4635500" cy="1325564"/>
+          </a:xfrm>
+          <a:prstGeom prst="rect">
+            <a:avLst/>
+          </a:prstGeom>
+        </p:spPr>
+        <p:txBody>
+          <a:bodyPr vert="horz" lIns="91440" tIns="45720" rIns="91440" bIns="45720" rtlCol="0">
+            <a:normAutofit fontScale="92500"/>
+          </a:bodyPr>
+          <a:lstStyle>
+            <a:lvl1pPr marL="228600" indent="-228600" algn="l" defTabSz="914400" rtl="0" eaLnBrk="1" latinLnBrk="0" hangingPunct="1">
+              <a:lnSpc>
+                <a:spcPct val="90000"/>
+              </a:lnSpc>
+              <a:spcBef>
+                <a:spcPts val="1000"/>
+              </a:spcBef>
+              <a:buFont typeface="Arial"/>
+              <a:buChar char="•"/>
+              <a:defRPr sz="2800" kern="1200">
+                <a:solidFill>
+                  <a:srgbClr val="0070C0"/>
+                </a:solidFill>
+                <a:latin typeface="IBM Plex Mono Text" panose="020B0509050203000203" pitchFamily="49" charset="0"/>
+                <a:ea typeface="+mn-ea"/>
+                <a:cs typeface="+mn-cs"/>
+              </a:defRPr>
+            </a:lvl1pPr>
+            <a:lvl2pPr marL="685800" indent="-228600" algn="l" defTabSz="914400" rtl="0" eaLnBrk="1" latinLnBrk="0" hangingPunct="1">
+              <a:lnSpc>
+                <a:spcPct val="90000"/>
+              </a:lnSpc>
+              <a:spcBef>
+                <a:spcPts val="500"/>
+              </a:spcBef>
+              <a:buFont typeface="Arial"/>
+              <a:buChar char="•"/>
+              <a:defRPr sz="2400" kern="1200">
+                <a:solidFill>
+                  <a:srgbClr val="0070C0"/>
+                </a:solidFill>
+                <a:latin typeface="IBM Plex Mono Text" panose="020B0509050203000203" pitchFamily="49" charset="0"/>
+                <a:ea typeface="+mn-ea"/>
+                <a:cs typeface="+mn-cs"/>
+              </a:defRPr>
+            </a:lvl2pPr>
+            <a:lvl3pPr marL="1143000" indent="-228600" algn="l" defTabSz="914400" rtl="0" eaLnBrk="1" latinLnBrk="0" hangingPunct="1">
+              <a:lnSpc>
+                <a:spcPct val="90000"/>
+              </a:lnSpc>
+              <a:spcBef>
+                <a:spcPts val="500"/>
+              </a:spcBef>
+              <a:buFont typeface="Arial"/>
+              <a:buChar char="•"/>
+              <a:defRPr sz="2000" kern="1200">
+                <a:solidFill>
+                  <a:srgbClr val="0070C0"/>
+                </a:solidFill>
+                <a:latin typeface="IBM Plex Mono Text" panose="020B0509050203000203" pitchFamily="49" charset="0"/>
+                <a:ea typeface="+mn-ea"/>
+                <a:cs typeface="+mn-cs"/>
+              </a:defRPr>
+            </a:lvl3pPr>
+            <a:lvl4pPr marL="1600200" indent="-228600" algn="l" defTabSz="914400" rtl="0" eaLnBrk="1" latinLnBrk="0" hangingPunct="1">
+              <a:lnSpc>
+                <a:spcPct val="90000"/>
+              </a:lnSpc>
+              <a:spcBef>
+                <a:spcPts val="500"/>
+              </a:spcBef>
+              <a:buFont typeface="Arial"/>
+              <a:buChar char="•"/>
+              <a:defRPr sz="1800" kern="1200">
+                <a:solidFill>
+                  <a:srgbClr val="0070C0"/>
+                </a:solidFill>
+                <a:latin typeface="IBM Plex Mono Text" panose="020B0509050203000203" pitchFamily="49" charset="0"/>
+                <a:ea typeface="+mn-ea"/>
+                <a:cs typeface="+mn-cs"/>
+              </a:defRPr>
+            </a:lvl4pPr>
+            <a:lvl5pPr marL="2057400" indent="-228600" algn="l" defTabSz="914400" rtl="0" eaLnBrk="1" latinLnBrk="0" hangingPunct="1">
+              <a:lnSpc>
+                <a:spcPct val="90000"/>
+              </a:lnSpc>
+              <a:spcBef>
+                <a:spcPts val="500"/>
+              </a:spcBef>
+              <a:buFont typeface="Arial"/>
+              <a:buChar char="•"/>
+              <a:defRPr sz="1800" kern="1200">
+                <a:solidFill>
+                  <a:srgbClr val="0070C0"/>
+                </a:solidFill>
+                <a:latin typeface="IBM Plex Mono Text" panose="020B0509050203000203" pitchFamily="49" charset="0"/>
+                <a:ea typeface="+mn-ea"/>
+                <a:cs typeface="+mn-cs"/>
+              </a:defRPr>
+            </a:lvl5pPr>
+            <a:lvl6pPr marL="2514600" indent="-228600" algn="l" defTabSz="914400" rtl="0" eaLnBrk="1" latinLnBrk="0" hangingPunct="1">
+              <a:lnSpc>
+                <a:spcPct val="90000"/>
+              </a:lnSpc>
+              <a:spcBef>
+                <a:spcPts val="500"/>
+              </a:spcBef>
+              <a:buFont typeface="Arial"/>
+              <a:buChar char="•"/>
+              <a:defRPr sz="1800" kern="1200">
+                <a:solidFill>
+                  <a:schemeClr val="tx1"/>
+                </a:solidFill>
+                <a:latin typeface="+mn-lt"/>
+                <a:ea typeface="+mn-ea"/>
+                <a:cs typeface="+mn-cs"/>
+              </a:defRPr>
+            </a:lvl6pPr>
+            <a:lvl7pPr marL="2971800" indent="-228600" algn="l" defTabSz="914400" rtl="0" eaLnBrk="1" latinLnBrk="0" hangingPunct="1">
+              <a:lnSpc>
+                <a:spcPct val="90000"/>
+              </a:lnSpc>
+              <a:spcBef>
+                <a:spcPts val="500"/>
+              </a:spcBef>
+              <a:buFont typeface="Arial"/>
+              <a:buChar char="•"/>
+              <a:defRPr sz="1800" kern="1200">
+                <a:solidFill>
+                  <a:schemeClr val="tx1"/>
+                </a:solidFill>
+                <a:latin typeface="+mn-lt"/>
+                <a:ea typeface="+mn-ea"/>
+                <a:cs typeface="+mn-cs"/>
+              </a:defRPr>
+            </a:lvl7pPr>
+            <a:lvl8pPr marL="3429000" indent="-228600" algn="l" defTabSz="914400" rtl="0" eaLnBrk="1" latinLnBrk="0" hangingPunct="1">
+              <a:lnSpc>
+                <a:spcPct val="90000"/>
+              </a:lnSpc>
+              <a:spcBef>
+                <a:spcPts val="500"/>
+              </a:spcBef>
+              <a:buFont typeface="Arial"/>
+              <a:buChar char="•"/>
+              <a:defRPr sz="1800" kern="1200">
+                <a:solidFill>
+                  <a:schemeClr val="tx1"/>
+                </a:solidFill>
+                <a:latin typeface="+mn-lt"/>
+                <a:ea typeface="+mn-ea"/>
+                <a:cs typeface="+mn-cs"/>
+              </a:defRPr>
+            </a:lvl8pPr>
+            <a:lvl9pPr marL="3886200" indent="-228600" algn="l" defTabSz="914400" rtl="0" eaLnBrk="1" latinLnBrk="0" hangingPunct="1">
+              <a:lnSpc>
+                <a:spcPct val="90000"/>
+              </a:lnSpc>
+              <a:spcBef>
+                <a:spcPts val="500"/>
+              </a:spcBef>
+              <a:buFont typeface="Arial"/>
+              <a:buChar char="•"/>
+              <a:defRPr sz="1800" kern="1200">
+                <a:solidFill>
+                  <a:schemeClr val="tx1"/>
+                </a:solidFill>
+                <a:latin typeface="+mn-lt"/>
+                <a:ea typeface="+mn-ea"/>
+                <a:cs typeface="+mn-cs"/>
+              </a:defRPr>
+            </a:lvl9pPr>
+          </a:lstStyle>
+          <a:p>
+            <a:pPr marL="0" indent="0">
+              <a:buNone/>
+            </a:pPr>
+            <a:r>
+              <a:rPr lang="en-US" sz="2400" dirty="0">
+                <a:solidFill>
+                  <a:schemeClr val="accent1">
+                    <a:lumMod val="75000"/>
+                  </a:schemeClr>
+                </a:solidFill>
+              </a:rPr>
+              <a:t>FT booster version has the highest success rate in this payload range while v1.0 has not a single successful launch and v1.1 only 1 out of 13</a:t>
+            </a:r>
+          </a:p>
+          <a:p>
+            <a:endParaRPr lang="en-US" dirty="0"/>
           </a:p>
         </p:txBody>
       </p:sp>
@@ -28454,36 +29453,54 @@
           </a:xfrm>
         </p:spPr>
         <p:txBody>
-          <a:bodyPr/>
+          <a:bodyPr>
+            <a:normAutofit/>
+          </a:bodyPr>
           <a:lstStyle/>
           <a:p>
             <a:r>
-              <a:rPr lang="en-US" dirty="0"/>
-              <a:t>Point 1</a:t>
-            </a:r>
-          </a:p>
-          <a:p>
-            <a:r>
-              <a:rPr lang="en-US" dirty="0"/>
-              <a:t>Point 2</a:t>
-            </a:r>
-          </a:p>
-          <a:p>
-            <a:r>
-              <a:rPr lang="en-US" dirty="0"/>
-              <a:t>Point 3</a:t>
-            </a:r>
-          </a:p>
-          <a:p>
-            <a:r>
-              <a:rPr lang="en-US" dirty="0"/>
-              <a:t>Point 4</a:t>
-            </a:r>
-          </a:p>
-          <a:p>
-            <a:r>
-              <a:rPr lang="en-US" dirty="0"/>
-              <a:t>…</a:t>
+              <a:rPr lang="en-US" dirty="0">
+                <a:solidFill>
+                  <a:schemeClr val="accent1">
+                    <a:lumMod val="75000"/>
+                  </a:schemeClr>
+                </a:solidFill>
+              </a:rPr>
+              <a:t>Now we understand many of the reasons why SpaceX has the highest success rate saving that much money during the process.</a:t>
+            </a:r>
+          </a:p>
+          <a:p>
+            <a:r>
+              <a:rPr lang="en-US" dirty="0" err="1">
+                <a:solidFill>
+                  <a:schemeClr val="accent1">
+                    <a:lumMod val="75000"/>
+                  </a:schemeClr>
+                </a:solidFill>
+              </a:rPr>
+              <a:t>SpaceY</a:t>
+            </a:r>
+            <a:r>
+              <a:rPr lang="en-US" dirty="0">
+                <a:solidFill>
+                  <a:schemeClr val="accent1">
+                    <a:lumMod val="75000"/>
+                  </a:schemeClr>
+                </a:solidFill>
+              </a:rPr>
+              <a:t> will be able to reasonably accurately predict if future SpaceX launches will land the first stage of the rocket and implement it on future projects. </a:t>
+            </a:r>
+          </a:p>
+          <a:p>
+            <a:r>
+              <a:rPr lang="en-US" dirty="0">
+                <a:solidFill>
+                  <a:schemeClr val="accent1">
+                    <a:lumMod val="75000"/>
+                  </a:schemeClr>
+                </a:solidFill>
+              </a:rPr>
+              <a:t>Machine learning classification models have similar accuracies even though they were high.</a:t>
             </a:r>
           </a:p>
         </p:txBody>
@@ -32476,21 +33493,6 @@
 </file>
 
 <file path=customXml/item1.xml><?xml version="1.0" encoding="utf-8"?>
-<p:properties xmlns:p="http://schemas.microsoft.com/office/2006/metadata/properties" xmlns:xsi="http://www.w3.org/2001/XMLSchema-instance" xmlns:pc="http://schemas.microsoft.com/office/infopath/2007/PartnerControls">
-  <documentManagement/>
-</p:properties>
-</file>
-
-<file path=customXml/item2.xml><?xml version="1.0" encoding="utf-8"?>
-<?mso-contentType ?>
-<FormTemplates xmlns="http://schemas.microsoft.com/sharepoint/v3/contenttype/forms">
-  <Display>DocumentLibraryForm</Display>
-  <Edit>DocumentLibraryForm</Edit>
-  <New>DocumentLibraryForm</New>
-</FormTemplates>
-</file>
-
-<file path=customXml/item3.xml><?xml version="1.0" encoding="utf-8"?>
 <ct:contentTypeSchema xmlns:ct="http://schemas.microsoft.com/office/2006/metadata/contentType" xmlns:ma="http://schemas.microsoft.com/office/2006/metadata/properties/metaAttributes" ct:_="" ma:_="" ma:contentTypeName="Document" ma:contentTypeID="0x010100EECD86F56755A646AC8AFCBCBD967F21" ma:contentTypeVersion="12" ma:contentTypeDescription="Create a new document." ma:contentTypeScope="" ma:versionID="5271f8e20090c87afed7729ac71f61b2">
   <xsd:schema xmlns:xsd="http://www.w3.org/2001/XMLSchema" xmlns:xs="http://www.w3.org/2001/XMLSchema" xmlns:p="http://schemas.microsoft.com/office/2006/metadata/properties" xmlns:ns2="155be751-a274-42e8-93fb-f39d3b9bccc8" xmlns:ns3="f80a141d-92ca-4d3d-9308-f7e7b1d44ce8" targetNamespace="http://schemas.microsoft.com/office/2006/metadata/properties" ma:root="true" ma:fieldsID="cf12c133eb44377ebd94fdb7db4757b0" ns2:_="" ns3:_="">
     <xsd:import namespace="155be751-a274-42e8-93fb-f39d3b9bccc8"/>
@@ -32707,7 +33709,41 @@
 </ct:contentTypeSchema>
 </file>
 
+<file path=customXml/item2.xml><?xml version="1.0" encoding="utf-8"?>
+<p:properties xmlns:p="http://schemas.microsoft.com/office/2006/metadata/properties" xmlns:xsi="http://www.w3.org/2001/XMLSchema-instance" xmlns:pc="http://schemas.microsoft.com/office/infopath/2007/PartnerControls">
+  <documentManagement/>
+</p:properties>
+</file>
+
+<file path=customXml/item3.xml><?xml version="1.0" encoding="utf-8"?>
+<?mso-contentType ?>
+<FormTemplates xmlns="http://schemas.microsoft.com/sharepoint/v3/contenttype/forms">
+  <Display>DocumentLibraryForm</Display>
+  <Edit>DocumentLibraryForm</Edit>
+  <New>DocumentLibraryForm</New>
+</FormTemplates>
+</file>
+
 <file path=customXml/itemProps1.xml><?xml version="1.0" encoding="utf-8"?>
+<ds:datastoreItem xmlns:ds="http://schemas.openxmlformats.org/officeDocument/2006/customXml" ds:itemID="{FD840426-F08D-42AC-9846-A20E4AB85A26}">
+  <ds:schemaRefs>
+    <ds:schemaRef ds:uri="155be751-a274-42e8-93fb-f39d3b9bccc8"/>
+    <ds:schemaRef ds:uri="f80a141d-92ca-4d3d-9308-f7e7b1d44ce8"/>
+    <ds:schemaRef ds:uri="http://purl.org/dc/elements/1.1/"/>
+    <ds:schemaRef ds:uri="http://purl.org/dc/terms/"/>
+    <ds:schemaRef ds:uri="http://schemas.microsoft.com/internal/obd"/>
+    <ds:schemaRef ds:uri="http://schemas.microsoft.com/office/2006/documentManagement/types"/>
+    <ds:schemaRef ds:uri="http://schemas.microsoft.com/office/2006/metadata/contentType"/>
+    <ds:schemaRef ds:uri="http://schemas.microsoft.com/office/2006/metadata/properties"/>
+    <ds:schemaRef ds:uri="http://schemas.microsoft.com/office/2006/metadata/properties/metaAttributes"/>
+    <ds:schemaRef ds:uri="http://schemas.microsoft.com/office/infopath/2007/PartnerControls"/>
+    <ds:schemaRef ds:uri="http://schemas.openxmlformats.org/package/2006/metadata/core-properties"/>
+    <ds:schemaRef ds:uri="http://www.w3.org/2001/XMLSchema"/>
+  </ds:schemaRefs>
+</ds:datastoreItem>
+</file>
+
+<file path=customXml/itemProps2.xml><?xml version="1.0" encoding="utf-8"?>
 <ds:datastoreItem xmlns:ds="http://schemas.openxmlformats.org/officeDocument/2006/customXml" ds:itemID="{54DA07C5-A406-4A0D-B3E6-3856C94AC7F3}">
   <ds:schemaRefs>
     <ds:schemaRef ds:uri="http://purl.org/dc/terms/"/>
@@ -32724,29 +33760,10 @@
 </ds:datastoreItem>
 </file>
 
-<file path=customXml/itemProps2.xml><?xml version="1.0" encoding="utf-8"?>
+<file path=customXml/itemProps3.xml><?xml version="1.0" encoding="utf-8"?>
 <ds:datastoreItem xmlns:ds="http://schemas.openxmlformats.org/officeDocument/2006/customXml" ds:itemID="{7EFDA260-DDA0-422C-B7AE-778F653FBB36}">
   <ds:schemaRefs>
     <ds:schemaRef ds:uri="http://schemas.microsoft.com/sharepoint/v3/contenttype/forms"/>
   </ds:schemaRefs>
 </ds:datastoreItem>
-</file>
-
-<file path=customXml/itemProps3.xml><?xml version="1.0" encoding="utf-8"?>
-<ds:datastoreItem xmlns:ds="http://schemas.openxmlformats.org/officeDocument/2006/customXml" ds:itemID="{FD840426-F08D-42AC-9846-A20E4AB85A26}">
-  <ds:schemaRefs>
-    <ds:schemaRef ds:uri="155be751-a274-42e8-93fb-f39d3b9bccc8"/>
-    <ds:schemaRef ds:uri="f80a141d-92ca-4d3d-9308-f7e7b1d44ce8"/>
-    <ds:schemaRef ds:uri="http://purl.org/dc/elements/1.1/"/>
-    <ds:schemaRef ds:uri="http://purl.org/dc/terms/"/>
-    <ds:schemaRef ds:uri="http://schemas.microsoft.com/internal/obd"/>
-    <ds:schemaRef ds:uri="http://schemas.microsoft.com/office/2006/documentManagement/types"/>
-    <ds:schemaRef ds:uri="http://schemas.microsoft.com/office/2006/metadata/contentType"/>
-    <ds:schemaRef ds:uri="http://schemas.microsoft.com/office/2006/metadata/properties"/>
-    <ds:schemaRef ds:uri="http://schemas.microsoft.com/office/2006/metadata/properties/metaAttributes"/>
-    <ds:schemaRef ds:uri="http://schemas.microsoft.com/office/infopath/2007/PartnerControls"/>
-    <ds:schemaRef ds:uri="http://schemas.openxmlformats.org/package/2006/metadata/core-properties"/>
-    <ds:schemaRef ds:uri="http://www.w3.org/2001/XMLSchema"/>
-  </ds:schemaRefs>
-</ds:datastoreItem>
 </file>